--- a/module2/another/DISCOVER CANADA.pptx
+++ b/module2/another/DISCOVER CANADA.pptx
@@ -307,7 +307,7 @@
           <a:p>
             <a:fld id="{128FCA9C-FF92-4024-BDEC-A6D3B663DC09}" type="datetimeFigureOut">
               <a:rPr lang="en-US"/>
-              <a:t>10/31/2021</a:t>
+              <a:t>11/3/2021</a:t>
             </a:fld>
             <a:endParaRPr/>
           </a:p>
@@ -472,7 +472,7 @@
           <a:p>
             <a:fld id="{772AB877-E7B1-4681-847E-D0918612832B}" type="datetimeFigureOut">
               <a:rPr lang="en-US"/>
-              <a:t>10/31/2021</a:t>
+              <a:t>11/3/2021</a:t>
             </a:fld>
             <a:endParaRPr/>
           </a:p>
@@ -10058,7 +10058,7 @@
             <a:fld id="{EDF33987-6305-4E2A-BF18-EF013ECE927B}" type="datetimeFigureOut">
               <a:rPr lang="en-US" smtClean="0"/>
               <a:pPr/>
-              <a:t>10/31/2021</a:t>
+              <a:t>11/3/2021</a:t>
             </a:fld>
             <a:endParaRPr lang="en-US"/>
           </a:p>
@@ -10282,7 +10282,7 @@
           <a:p>
             <a:fld id="{EDF33987-6305-4E2A-BF18-EF013ECE927B}" type="datetimeFigureOut">
               <a:rPr lang="en-US" smtClean="0"/>
-              <a:t>10/31/2021</a:t>
+              <a:t>11/3/2021</a:t>
             </a:fld>
             <a:endParaRPr lang="en-US"/>
           </a:p>
@@ -10478,7 +10478,7 @@
           <a:p>
             <a:fld id="{EDF33987-6305-4E2A-BF18-EF013ECE927B}" type="datetimeFigureOut">
               <a:rPr lang="en-US" smtClean="0"/>
-              <a:t>10/31/2021</a:t>
+              <a:t>11/3/2021</a:t>
             </a:fld>
             <a:endParaRPr lang="en-US"/>
           </a:p>
@@ -10699,7 +10699,7 @@
           <a:p>
             <a:fld id="{EDF33987-6305-4E2A-BF18-EF013ECE927B}" type="datetimeFigureOut">
               <a:rPr lang="en-US" smtClean="0"/>
-              <a:t>10/31/2021</a:t>
+              <a:t>11/3/2021</a:t>
             </a:fld>
             <a:endParaRPr lang="en-US"/>
           </a:p>
@@ -19613,7 +19613,7 @@
           <a:p>
             <a:fld id="{EDF33987-6305-4E2A-BF18-EF013ECE927B}" type="datetimeFigureOut">
               <a:rPr lang="en-US" smtClean="0"/>
-              <a:t>10/31/2021</a:t>
+              <a:t>11/3/2021</a:t>
             </a:fld>
             <a:endParaRPr lang="en-US"/>
           </a:p>
@@ -19903,7 +19903,7 @@
           <a:p>
             <a:fld id="{EDF33987-6305-4E2A-BF18-EF013ECE927B}" type="datetimeFigureOut">
               <a:rPr lang="en-US" smtClean="0"/>
-              <a:t>10/31/2021</a:t>
+              <a:t>11/3/2021</a:t>
             </a:fld>
             <a:endParaRPr lang="en-US"/>
           </a:p>
@@ -20317,7 +20317,7 @@
           <a:p>
             <a:fld id="{EDF33987-6305-4E2A-BF18-EF013ECE927B}" type="datetimeFigureOut">
               <a:rPr lang="en-US" smtClean="0"/>
-              <a:t>10/31/2021</a:t>
+              <a:t>11/3/2021</a:t>
             </a:fld>
             <a:endParaRPr lang="en-US"/>
           </a:p>
@@ -20451,7 +20451,7 @@
           <a:p>
             <a:fld id="{EDF33987-6305-4E2A-BF18-EF013ECE927B}" type="datetimeFigureOut">
               <a:rPr lang="en-US" smtClean="0"/>
-              <a:t>10/31/2021</a:t>
+              <a:t>11/3/2021</a:t>
             </a:fld>
             <a:endParaRPr lang="en-US"/>
           </a:p>
@@ -20562,7 +20562,7 @@
           <a:p>
             <a:fld id="{EDF33987-6305-4E2A-BF18-EF013ECE927B}" type="datetimeFigureOut">
               <a:rPr lang="en-US" smtClean="0"/>
-              <a:t>10/31/2021</a:t>
+              <a:t>11/3/2021</a:t>
             </a:fld>
             <a:endParaRPr lang="en-US"/>
           </a:p>
@@ -20868,7 +20868,7 @@
           <a:p>
             <a:fld id="{EDF33987-6305-4E2A-BF18-EF013ECE927B}" type="datetimeFigureOut">
               <a:rPr lang="en-US" smtClean="0"/>
-              <a:t>10/31/2021</a:t>
+              <a:t>11/3/2021</a:t>
             </a:fld>
             <a:endParaRPr lang="en-US"/>
           </a:p>
@@ -21164,7 +21164,7 @@
           <a:p>
             <a:fld id="{EDF33987-6305-4E2A-BF18-EF013ECE927B}" type="datetimeFigureOut">
               <a:rPr lang="en-US" smtClean="0"/>
-              <a:t>10/31/2021</a:t>
+              <a:t>11/3/2021</a:t>
             </a:fld>
             <a:endParaRPr lang="en-US"/>
           </a:p>
@@ -21431,7 +21431,7 @@
             <a:fld id="{EDF33987-6305-4E2A-BF18-EF013ECE927B}" type="datetimeFigureOut">
               <a:rPr lang="en-US" smtClean="0"/>
               <a:pPr/>
-              <a:t>10/31/2021</a:t>
+              <a:t>11/3/2021</a:t>
             </a:fld>
             <a:endParaRPr lang="en-US" dirty="0"/>
           </a:p>
@@ -27675,7 +27675,7 @@
             </a:r>
             <a:r>
               <a:rPr lang="en-US" dirty="0"/>
-              <a:t> : 60% </a:t>
+              <a:t> : 85% </a:t>
             </a:r>
             <a:r>
               <a:rPr lang="en-US" dirty="0" err="1"/>
